--- a/template-double-column.pptx
+++ b/template-double-column.pptx
@@ -2,12 +2,12 @@
 <file path=ppt/presentation.xml><?xml version="1.0" encoding="utf-8"?>
 <p:presentation xmlns:a="http://schemas.openxmlformats.org/drawingml/2006/main" xmlns:r="http://schemas.openxmlformats.org/officeDocument/2006/relationships" xmlns:p="http://schemas.openxmlformats.org/presentationml/2006/main" saveSubsetFonts="1" autoCompressPictures="0">
   <p:sldMasterIdLst>
-    <p:sldMasterId id="2147483720" r:id="rId1"/>
+    <p:sldMasterId id="2147483732" r:id="rId1"/>
   </p:sldMasterIdLst>
   <p:sldIdLst>
     <p:sldId id="258" r:id="rId2"/>
   </p:sldIdLst>
-  <p:sldSz cx="6480175" cy="3060700"/>
+  <p:sldSz cx="6588125" cy="3060700"/>
   <p:notesSz cx="6858000" cy="9144000"/>
   <p:defaultTextStyle>
     <a:defPPr>
@@ -141,8 +141,8 @@
         </p:nvSpPr>
         <p:spPr>
           <a:xfrm>
-            <a:off x="810022" y="500906"/>
-            <a:ext cx="4860131" cy="1065577"/>
+            <a:off x="823516" y="500906"/>
+            <a:ext cx="4941094" cy="1065577"/>
           </a:xfrm>
         </p:spPr>
         <p:txBody>
@@ -173,8 +173,8 @@
         </p:nvSpPr>
         <p:spPr>
           <a:xfrm>
-            <a:off x="810022" y="1607576"/>
-            <a:ext cx="4860131" cy="738960"/>
+            <a:off x="823516" y="1607576"/>
+            <a:ext cx="4941094" cy="738960"/>
           </a:xfrm>
         </p:spPr>
         <p:txBody>
@@ -294,7 +294,7 @@
     </p:spTree>
     <p:extLst>
       <p:ext uri="{BB962C8B-B14F-4D97-AF65-F5344CB8AC3E}">
-        <p14:creationId xmlns:p14="http://schemas.microsoft.com/office/powerpoint/2010/main" val="2842869342"/>
+        <p14:creationId xmlns:p14="http://schemas.microsoft.com/office/powerpoint/2010/main" val="1085091585"/>
       </p:ext>
     </p:extLst>
   </p:cSld>
@@ -464,7 +464,7 @@
     </p:spTree>
     <p:extLst>
       <p:ext uri="{BB962C8B-B14F-4D97-AF65-F5344CB8AC3E}">
-        <p14:creationId xmlns:p14="http://schemas.microsoft.com/office/powerpoint/2010/main" val="1603148596"/>
+        <p14:creationId xmlns:p14="http://schemas.microsoft.com/office/powerpoint/2010/main" val="482977959"/>
       </p:ext>
     </p:extLst>
   </p:cSld>
@@ -503,8 +503,8 @@
         </p:nvSpPr>
         <p:spPr>
           <a:xfrm>
-            <a:off x="4637375" y="162954"/>
-            <a:ext cx="1397288" cy="2593802"/>
+            <a:off x="4714627" y="162954"/>
+            <a:ext cx="1420564" cy="2593802"/>
           </a:xfrm>
         </p:spPr>
         <p:txBody>
@@ -531,8 +531,8 @@
         </p:nvSpPr>
         <p:spPr>
           <a:xfrm>
-            <a:off x="445512" y="162954"/>
-            <a:ext cx="4110861" cy="2593802"/>
+            <a:off x="452933" y="162954"/>
+            <a:ext cx="4179342" cy="2593802"/>
           </a:xfrm>
         </p:spPr>
         <p:txBody>
@@ -644,7 +644,7 @@
     </p:spTree>
     <p:extLst>
       <p:ext uri="{BB962C8B-B14F-4D97-AF65-F5344CB8AC3E}">
-        <p14:creationId xmlns:p14="http://schemas.microsoft.com/office/powerpoint/2010/main" val="1391894624"/>
+        <p14:creationId xmlns:p14="http://schemas.microsoft.com/office/powerpoint/2010/main" val="2705233456"/>
       </p:ext>
     </p:extLst>
   </p:cSld>
@@ -814,7 +814,7 @@
     </p:spTree>
     <p:extLst>
       <p:ext uri="{BB962C8B-B14F-4D97-AF65-F5344CB8AC3E}">
-        <p14:creationId xmlns:p14="http://schemas.microsoft.com/office/powerpoint/2010/main" val="660638543"/>
+        <p14:creationId xmlns:p14="http://schemas.microsoft.com/office/powerpoint/2010/main" val="211638952"/>
       </p:ext>
     </p:extLst>
   </p:cSld>
@@ -853,8 +853,8 @@
         </p:nvSpPr>
         <p:spPr>
           <a:xfrm>
-            <a:off x="442137" y="763050"/>
-            <a:ext cx="5589151" cy="1273166"/>
+            <a:off x="449502" y="763050"/>
+            <a:ext cx="5682258" cy="1273166"/>
           </a:xfrm>
         </p:spPr>
         <p:txBody>
@@ -885,8 +885,8 @@
         </p:nvSpPr>
         <p:spPr>
           <a:xfrm>
-            <a:off x="442137" y="2048261"/>
-            <a:ext cx="5589151" cy="669528"/>
+            <a:off x="449502" y="2048261"/>
+            <a:ext cx="5682258" cy="669528"/>
           </a:xfrm>
         </p:spPr>
         <p:txBody>
@@ -1060,7 +1060,7 @@
     </p:spTree>
     <p:extLst>
       <p:ext uri="{BB962C8B-B14F-4D97-AF65-F5344CB8AC3E}">
-        <p14:creationId xmlns:p14="http://schemas.microsoft.com/office/powerpoint/2010/main" val="2495973495"/>
+        <p14:creationId xmlns:p14="http://schemas.microsoft.com/office/powerpoint/2010/main" val="3401623829"/>
       </p:ext>
     </p:extLst>
   </p:cSld>
@@ -1122,8 +1122,8 @@
         </p:nvSpPr>
         <p:spPr>
           <a:xfrm>
-            <a:off x="445512" y="814770"/>
-            <a:ext cx="2754074" cy="1941986"/>
+            <a:off x="452934" y="814770"/>
+            <a:ext cx="2799953" cy="1941986"/>
           </a:xfrm>
         </p:spPr>
         <p:txBody>
@@ -1179,8 +1179,8 @@
         </p:nvSpPr>
         <p:spPr>
           <a:xfrm>
-            <a:off x="3280589" y="814770"/>
-            <a:ext cx="2754074" cy="1941986"/>
+            <a:off x="3335238" y="814770"/>
+            <a:ext cx="2799953" cy="1941986"/>
           </a:xfrm>
         </p:spPr>
         <p:txBody>
@@ -1292,7 +1292,7 @@
     </p:spTree>
     <p:extLst>
       <p:ext uri="{BB962C8B-B14F-4D97-AF65-F5344CB8AC3E}">
-        <p14:creationId xmlns:p14="http://schemas.microsoft.com/office/powerpoint/2010/main" val="2053047050"/>
+        <p14:creationId xmlns:p14="http://schemas.microsoft.com/office/powerpoint/2010/main" val="506090818"/>
       </p:ext>
     </p:extLst>
   </p:cSld>
@@ -1331,8 +1331,8 @@
         </p:nvSpPr>
         <p:spPr>
           <a:xfrm>
-            <a:off x="446356" y="162954"/>
-            <a:ext cx="5589151" cy="591594"/>
+            <a:off x="453792" y="162954"/>
+            <a:ext cx="5682258" cy="591594"/>
           </a:xfrm>
         </p:spPr>
         <p:txBody>
@@ -1359,8 +1359,8 @@
         </p:nvSpPr>
         <p:spPr>
           <a:xfrm>
-            <a:off x="446356" y="750297"/>
-            <a:ext cx="2741418" cy="367709"/>
+            <a:off x="453792" y="750297"/>
+            <a:ext cx="2787085" cy="367709"/>
           </a:xfrm>
         </p:spPr>
         <p:txBody>
@@ -1424,8 +1424,8 @@
         </p:nvSpPr>
         <p:spPr>
           <a:xfrm>
-            <a:off x="446356" y="1118006"/>
-            <a:ext cx="2741418" cy="1644418"/>
+            <a:off x="453792" y="1118006"/>
+            <a:ext cx="2787085" cy="1644418"/>
           </a:xfrm>
         </p:spPr>
         <p:txBody>
@@ -1481,8 +1481,8 @@
         </p:nvSpPr>
         <p:spPr>
           <a:xfrm>
-            <a:off x="3280589" y="750297"/>
-            <a:ext cx="2754918" cy="367709"/>
+            <a:off x="3335238" y="750297"/>
+            <a:ext cx="2800811" cy="367709"/>
           </a:xfrm>
         </p:spPr>
         <p:txBody>
@@ -1546,8 +1546,8 @@
         </p:nvSpPr>
         <p:spPr>
           <a:xfrm>
-            <a:off x="3280589" y="1118006"/>
-            <a:ext cx="2754918" cy="1644418"/>
+            <a:off x="3335238" y="1118006"/>
+            <a:ext cx="2800811" cy="1644418"/>
           </a:xfrm>
         </p:spPr>
         <p:txBody>
@@ -1659,7 +1659,7 @@
     </p:spTree>
     <p:extLst>
       <p:ext uri="{BB962C8B-B14F-4D97-AF65-F5344CB8AC3E}">
-        <p14:creationId xmlns:p14="http://schemas.microsoft.com/office/powerpoint/2010/main" val="521964252"/>
+        <p14:creationId xmlns:p14="http://schemas.microsoft.com/office/powerpoint/2010/main" val="1239350584"/>
       </p:ext>
     </p:extLst>
   </p:cSld>
@@ -1777,7 +1777,7 @@
     </p:spTree>
     <p:extLst>
       <p:ext uri="{BB962C8B-B14F-4D97-AF65-F5344CB8AC3E}">
-        <p14:creationId xmlns:p14="http://schemas.microsoft.com/office/powerpoint/2010/main" val="1887102602"/>
+        <p14:creationId xmlns:p14="http://schemas.microsoft.com/office/powerpoint/2010/main" val="3524090776"/>
       </p:ext>
     </p:extLst>
   </p:cSld>
@@ -1872,7 +1872,7 @@
     </p:spTree>
     <p:extLst>
       <p:ext uri="{BB962C8B-B14F-4D97-AF65-F5344CB8AC3E}">
-        <p14:creationId xmlns:p14="http://schemas.microsoft.com/office/powerpoint/2010/main" val="2005205279"/>
+        <p14:creationId xmlns:p14="http://schemas.microsoft.com/office/powerpoint/2010/main" val="93839003"/>
       </p:ext>
     </p:extLst>
   </p:cSld>
@@ -1911,8 +1911,8 @@
         </p:nvSpPr>
         <p:spPr>
           <a:xfrm>
-            <a:off x="446356" y="204047"/>
-            <a:ext cx="2090025" cy="714163"/>
+            <a:off x="453792" y="204047"/>
+            <a:ext cx="2124842" cy="714163"/>
           </a:xfrm>
         </p:spPr>
         <p:txBody>
@@ -1943,8 +1943,8 @@
         </p:nvSpPr>
         <p:spPr>
           <a:xfrm>
-            <a:off x="2754918" y="440684"/>
-            <a:ext cx="3280589" cy="2175081"/>
+            <a:off x="2800811" y="440684"/>
+            <a:ext cx="3335238" cy="2175081"/>
           </a:xfrm>
         </p:spPr>
         <p:txBody>
@@ -2028,8 +2028,8 @@
         </p:nvSpPr>
         <p:spPr>
           <a:xfrm>
-            <a:off x="446356" y="918210"/>
-            <a:ext cx="2090025" cy="1701098"/>
+            <a:off x="453792" y="918210"/>
+            <a:ext cx="2124842" cy="1701098"/>
           </a:xfrm>
         </p:spPr>
         <p:txBody>
@@ -2149,7 +2149,7 @@
     </p:spTree>
     <p:extLst>
       <p:ext uri="{BB962C8B-B14F-4D97-AF65-F5344CB8AC3E}">
-        <p14:creationId xmlns:p14="http://schemas.microsoft.com/office/powerpoint/2010/main" val="2686647653"/>
+        <p14:creationId xmlns:p14="http://schemas.microsoft.com/office/powerpoint/2010/main" val="3907883435"/>
       </p:ext>
     </p:extLst>
   </p:cSld>
@@ -2188,8 +2188,8 @@
         </p:nvSpPr>
         <p:spPr>
           <a:xfrm>
-            <a:off x="446356" y="204047"/>
-            <a:ext cx="2090025" cy="714163"/>
+            <a:off x="453792" y="204047"/>
+            <a:ext cx="2124842" cy="714163"/>
           </a:xfrm>
         </p:spPr>
         <p:txBody>
@@ -2220,8 +2220,8 @@
         </p:nvSpPr>
         <p:spPr>
           <a:xfrm>
-            <a:off x="2754918" y="440684"/>
-            <a:ext cx="3280589" cy="2175081"/>
+            <a:off x="2800811" y="440684"/>
+            <a:ext cx="3335238" cy="2175081"/>
           </a:xfrm>
         </p:spPr>
         <p:txBody>
@@ -2285,8 +2285,8 @@
         </p:nvSpPr>
         <p:spPr>
           <a:xfrm>
-            <a:off x="446356" y="918210"/>
-            <a:ext cx="2090025" cy="1701098"/>
+            <a:off x="453792" y="918210"/>
+            <a:ext cx="2124842" cy="1701098"/>
           </a:xfrm>
         </p:spPr>
         <p:txBody>
@@ -2406,7 +2406,7 @@
     </p:spTree>
     <p:extLst>
       <p:ext uri="{BB962C8B-B14F-4D97-AF65-F5344CB8AC3E}">
-        <p14:creationId xmlns:p14="http://schemas.microsoft.com/office/powerpoint/2010/main" val="3846991322"/>
+        <p14:creationId xmlns:p14="http://schemas.microsoft.com/office/powerpoint/2010/main" val="1755823202"/>
       </p:ext>
     </p:extLst>
   </p:cSld>
@@ -2450,8 +2450,8 @@
         </p:nvSpPr>
         <p:spPr>
           <a:xfrm>
-            <a:off x="445512" y="162954"/>
-            <a:ext cx="5589151" cy="591594"/>
+            <a:off x="452934" y="162954"/>
+            <a:ext cx="5682258" cy="591594"/>
           </a:xfrm>
           <a:prstGeom prst="rect">
             <a:avLst/>
@@ -2483,8 +2483,8 @@
         </p:nvSpPr>
         <p:spPr>
           <a:xfrm>
-            <a:off x="445512" y="814770"/>
-            <a:ext cx="5589151" cy="1941986"/>
+            <a:off x="452934" y="814770"/>
+            <a:ext cx="5682258" cy="1941986"/>
           </a:xfrm>
           <a:prstGeom prst="rect">
             <a:avLst/>
@@ -2545,8 +2545,8 @@
         </p:nvSpPr>
         <p:spPr>
           <a:xfrm>
-            <a:off x="445512" y="2836816"/>
-            <a:ext cx="1458039" cy="162954"/>
+            <a:off x="452934" y="2836816"/>
+            <a:ext cx="1482328" cy="162954"/>
           </a:xfrm>
           <a:prstGeom prst="rect">
             <a:avLst/>
@@ -2586,8 +2586,8 @@
         </p:nvSpPr>
         <p:spPr>
           <a:xfrm>
-            <a:off x="2146558" y="2836816"/>
-            <a:ext cx="2187059" cy="162954"/>
+            <a:off x="2182317" y="2836816"/>
+            <a:ext cx="2223492" cy="162954"/>
           </a:xfrm>
           <a:prstGeom prst="rect">
             <a:avLst/>
@@ -2623,8 +2623,8 @@
         </p:nvSpPr>
         <p:spPr>
           <a:xfrm>
-            <a:off x="4576624" y="2836816"/>
-            <a:ext cx="1458039" cy="162954"/>
+            <a:off x="4652863" y="2836816"/>
+            <a:ext cx="1482328" cy="162954"/>
           </a:xfrm>
           <a:prstGeom prst="rect">
             <a:avLst/>
@@ -2655,23 +2655,23 @@
     </p:spTree>
     <p:extLst>
       <p:ext uri="{BB962C8B-B14F-4D97-AF65-F5344CB8AC3E}">
-        <p14:creationId xmlns:p14="http://schemas.microsoft.com/office/powerpoint/2010/main" val="374455543"/>
+        <p14:creationId xmlns:p14="http://schemas.microsoft.com/office/powerpoint/2010/main" val="4274204387"/>
       </p:ext>
     </p:extLst>
   </p:cSld>
   <p:clrMap bg1="lt1" tx1="dk1" bg2="lt2" tx2="dk2" accent1="accent1" accent2="accent2" accent3="accent3" accent4="accent4" accent5="accent5" accent6="accent6" hlink="hlink" folHlink="folHlink"/>
   <p:sldLayoutIdLst>
-    <p:sldLayoutId id="2147483721" r:id="rId1"/>
-    <p:sldLayoutId id="2147483722" r:id="rId2"/>
-    <p:sldLayoutId id="2147483723" r:id="rId3"/>
-    <p:sldLayoutId id="2147483724" r:id="rId4"/>
-    <p:sldLayoutId id="2147483725" r:id="rId5"/>
-    <p:sldLayoutId id="2147483726" r:id="rId6"/>
-    <p:sldLayoutId id="2147483727" r:id="rId7"/>
-    <p:sldLayoutId id="2147483728" r:id="rId8"/>
-    <p:sldLayoutId id="2147483729" r:id="rId9"/>
-    <p:sldLayoutId id="2147483730" r:id="rId10"/>
-    <p:sldLayoutId id="2147483731" r:id="rId11"/>
+    <p:sldLayoutId id="2147483733" r:id="rId1"/>
+    <p:sldLayoutId id="2147483734" r:id="rId2"/>
+    <p:sldLayoutId id="2147483735" r:id="rId3"/>
+    <p:sldLayoutId id="2147483736" r:id="rId4"/>
+    <p:sldLayoutId id="2147483737" r:id="rId5"/>
+    <p:sldLayoutId id="2147483738" r:id="rId6"/>
+    <p:sldLayoutId id="2147483739" r:id="rId7"/>
+    <p:sldLayoutId id="2147483740" r:id="rId8"/>
+    <p:sldLayoutId id="2147483741" r:id="rId9"/>
+    <p:sldLayoutId id="2147483742" r:id="rId10"/>
+    <p:sldLayoutId id="2147483743" r:id="rId11"/>
   </p:sldLayoutIdLst>
   <p:txStyles>
     <p:titleStyle>
